--- a/Relations Example 2009 Q6.pptx
+++ b/Relations Example 2009 Q6.pptx
@@ -7,7 +7,10 @@
   <p:sldIdLst>
     <p:sldId id="256" r:id="rId2"/>
     <p:sldId id="257" r:id="rId3"/>
-    <p:sldId id="258" r:id="rId4"/>
+    <p:sldId id="260" r:id="rId4"/>
+    <p:sldId id="258" r:id="rId5"/>
+    <p:sldId id="259" r:id="rId6"/>
+    <p:sldId id="261" r:id="rId7"/>
   </p:sldIdLst>
   <p:sldSz cx="9144000" cy="6858000" type="screen4x3"/>
   <p:notesSz cx="6858000" cy="9144000"/>
@@ -290,7 +293,8 @@
           <a:p>
             <a:fld id="{71D1877F-806A-4BBF-8F5A-62830DC06EAB}" type="datetimeFigureOut">
               <a:rPr lang="en-IE" smtClean="0"/>
-              <a:t>23/12/2013</a:t>
+              <a:pPr/>
+              <a:t>24/12/2013</a:t>
             </a:fld>
             <a:endParaRPr lang="en-IE"/>
           </a:p>
@@ -332,6 +336,7 @@
           <a:p>
             <a:fld id="{3C3876C5-C481-40B9-8F46-DD41812A218C}" type="slidenum">
               <a:rPr lang="en-IE" smtClean="0"/>
+              <a:pPr/>
               <a:t>‹#›</a:t>
             </a:fld>
             <a:endParaRPr lang="en-IE"/>
@@ -455,7 +460,8 @@
           <a:p>
             <a:fld id="{71D1877F-806A-4BBF-8F5A-62830DC06EAB}" type="datetimeFigureOut">
               <a:rPr lang="en-IE" smtClean="0"/>
-              <a:t>23/12/2013</a:t>
+              <a:pPr/>
+              <a:t>24/12/2013</a:t>
             </a:fld>
             <a:endParaRPr lang="en-IE"/>
           </a:p>
@@ -497,6 +503,7 @@
           <a:p>
             <a:fld id="{3C3876C5-C481-40B9-8F46-DD41812A218C}" type="slidenum">
               <a:rPr lang="en-IE" smtClean="0"/>
+              <a:pPr/>
               <a:t>‹#›</a:t>
             </a:fld>
             <a:endParaRPr lang="en-IE"/>
@@ -630,7 +637,8 @@
           <a:p>
             <a:fld id="{71D1877F-806A-4BBF-8F5A-62830DC06EAB}" type="datetimeFigureOut">
               <a:rPr lang="en-IE" smtClean="0"/>
-              <a:t>23/12/2013</a:t>
+              <a:pPr/>
+              <a:t>24/12/2013</a:t>
             </a:fld>
             <a:endParaRPr lang="en-IE"/>
           </a:p>
@@ -672,6 +680,7 @@
           <a:p>
             <a:fld id="{3C3876C5-C481-40B9-8F46-DD41812A218C}" type="slidenum">
               <a:rPr lang="en-IE" smtClean="0"/>
+              <a:pPr/>
               <a:t>‹#›</a:t>
             </a:fld>
             <a:endParaRPr lang="en-IE"/>
@@ -795,7 +804,8 @@
           <a:p>
             <a:fld id="{71D1877F-806A-4BBF-8F5A-62830DC06EAB}" type="datetimeFigureOut">
               <a:rPr lang="en-IE" smtClean="0"/>
-              <a:t>23/12/2013</a:t>
+              <a:pPr/>
+              <a:t>24/12/2013</a:t>
             </a:fld>
             <a:endParaRPr lang="en-IE"/>
           </a:p>
@@ -837,6 +847,7 @@
           <a:p>
             <a:fld id="{3C3876C5-C481-40B9-8F46-DD41812A218C}" type="slidenum">
               <a:rPr lang="en-IE" smtClean="0"/>
+              <a:pPr/>
               <a:t>‹#›</a:t>
             </a:fld>
             <a:endParaRPr lang="en-IE"/>
@@ -1036,7 +1047,8 @@
           <a:p>
             <a:fld id="{71D1877F-806A-4BBF-8F5A-62830DC06EAB}" type="datetimeFigureOut">
               <a:rPr lang="en-IE" smtClean="0"/>
-              <a:t>23/12/2013</a:t>
+              <a:pPr/>
+              <a:t>24/12/2013</a:t>
             </a:fld>
             <a:endParaRPr lang="en-IE"/>
           </a:p>
@@ -1078,6 +1090,7 @@
           <a:p>
             <a:fld id="{3C3876C5-C481-40B9-8F46-DD41812A218C}" type="slidenum">
               <a:rPr lang="en-IE" smtClean="0"/>
+              <a:pPr/>
               <a:t>‹#›</a:t>
             </a:fld>
             <a:endParaRPr lang="en-IE"/>
@@ -1319,7 +1332,8 @@
           <a:p>
             <a:fld id="{71D1877F-806A-4BBF-8F5A-62830DC06EAB}" type="datetimeFigureOut">
               <a:rPr lang="en-IE" smtClean="0"/>
-              <a:t>23/12/2013</a:t>
+              <a:pPr/>
+              <a:t>24/12/2013</a:t>
             </a:fld>
             <a:endParaRPr lang="en-IE"/>
           </a:p>
@@ -1361,6 +1375,7 @@
           <a:p>
             <a:fld id="{3C3876C5-C481-40B9-8F46-DD41812A218C}" type="slidenum">
               <a:rPr lang="en-IE" smtClean="0"/>
+              <a:pPr/>
               <a:t>‹#›</a:t>
             </a:fld>
             <a:endParaRPr lang="en-IE"/>
@@ -1736,7 +1751,8 @@
           <a:p>
             <a:fld id="{71D1877F-806A-4BBF-8F5A-62830DC06EAB}" type="datetimeFigureOut">
               <a:rPr lang="en-IE" smtClean="0"/>
-              <a:t>23/12/2013</a:t>
+              <a:pPr/>
+              <a:t>24/12/2013</a:t>
             </a:fld>
             <a:endParaRPr lang="en-IE"/>
           </a:p>
@@ -1778,6 +1794,7 @@
           <a:p>
             <a:fld id="{3C3876C5-C481-40B9-8F46-DD41812A218C}" type="slidenum">
               <a:rPr lang="en-IE" smtClean="0"/>
+              <a:pPr/>
               <a:t>‹#›</a:t>
             </a:fld>
             <a:endParaRPr lang="en-IE"/>
@@ -1849,7 +1866,8 @@
           <a:p>
             <a:fld id="{71D1877F-806A-4BBF-8F5A-62830DC06EAB}" type="datetimeFigureOut">
               <a:rPr lang="en-IE" smtClean="0"/>
-              <a:t>23/12/2013</a:t>
+              <a:pPr/>
+              <a:t>24/12/2013</a:t>
             </a:fld>
             <a:endParaRPr lang="en-IE"/>
           </a:p>
@@ -1891,6 +1909,7 @@
           <a:p>
             <a:fld id="{3C3876C5-C481-40B9-8F46-DD41812A218C}" type="slidenum">
               <a:rPr lang="en-IE" smtClean="0"/>
+              <a:pPr/>
               <a:t>‹#›</a:t>
             </a:fld>
             <a:endParaRPr lang="en-IE"/>
@@ -1939,7 +1958,8 @@
           <a:p>
             <a:fld id="{71D1877F-806A-4BBF-8F5A-62830DC06EAB}" type="datetimeFigureOut">
               <a:rPr lang="en-IE" smtClean="0"/>
-              <a:t>23/12/2013</a:t>
+              <a:pPr/>
+              <a:t>24/12/2013</a:t>
             </a:fld>
             <a:endParaRPr lang="en-IE"/>
           </a:p>
@@ -1981,6 +2001,7 @@
           <a:p>
             <a:fld id="{3C3876C5-C481-40B9-8F46-DD41812A218C}" type="slidenum">
               <a:rPr lang="en-IE" smtClean="0"/>
+              <a:pPr/>
               <a:t>‹#›</a:t>
             </a:fld>
             <a:endParaRPr lang="en-IE"/>
@@ -2211,7 +2232,8 @@
           <a:p>
             <a:fld id="{71D1877F-806A-4BBF-8F5A-62830DC06EAB}" type="datetimeFigureOut">
               <a:rPr lang="en-IE" smtClean="0"/>
-              <a:t>23/12/2013</a:t>
+              <a:pPr/>
+              <a:t>24/12/2013</a:t>
             </a:fld>
             <a:endParaRPr lang="en-IE"/>
           </a:p>
@@ -2253,6 +2275,7 @@
           <a:p>
             <a:fld id="{3C3876C5-C481-40B9-8F46-DD41812A218C}" type="slidenum">
               <a:rPr lang="en-IE" smtClean="0"/>
+              <a:pPr/>
               <a:t>‹#›</a:t>
             </a:fld>
             <a:endParaRPr lang="en-IE"/>
@@ -2459,7 +2482,8 @@
           <a:p>
             <a:fld id="{71D1877F-806A-4BBF-8F5A-62830DC06EAB}" type="datetimeFigureOut">
               <a:rPr lang="en-IE" smtClean="0"/>
-              <a:t>23/12/2013</a:t>
+              <a:pPr/>
+              <a:t>24/12/2013</a:t>
             </a:fld>
             <a:endParaRPr lang="en-IE"/>
           </a:p>
@@ -2501,6 +2525,7 @@
           <a:p>
             <a:fld id="{3C3876C5-C481-40B9-8F46-DD41812A218C}" type="slidenum">
               <a:rPr lang="en-IE" smtClean="0"/>
+              <a:pPr/>
               <a:t>‹#›</a:t>
             </a:fld>
             <a:endParaRPr lang="en-IE"/>
@@ -2667,7 +2692,8 @@
           <a:p>
             <a:fld id="{71D1877F-806A-4BBF-8F5A-62830DC06EAB}" type="datetimeFigureOut">
               <a:rPr lang="en-IE" smtClean="0"/>
-              <a:t>23/12/2013</a:t>
+              <a:pPr/>
+              <a:t>24/12/2013</a:t>
             </a:fld>
             <a:endParaRPr lang="en-IE"/>
           </a:p>
@@ -2745,6 +2771,7 @@
           <a:p>
             <a:fld id="{3C3876C5-C481-40B9-8F46-DD41812A218C}" type="slidenum">
               <a:rPr lang="en-IE" smtClean="0"/>
+              <a:pPr/>
               <a:t>‹#›</a:t>
             </a:fld>
             <a:endParaRPr lang="en-IE"/>
@@ -3054,7 +3081,15 @@
           <a:p>
             <a:r>
               <a:rPr lang="en-IE" dirty="0" smtClean="0"/>
-              <a:t>Relations Example</a:t>
+              <a:t>Mathematics For Computing Digraphs </a:t>
+            </a:r>
+            <a:r>
+              <a:rPr lang="en-IE" dirty="0" smtClean="0"/>
+              <a:t>&amp; </a:t>
+            </a:r>
+            <a:r>
+              <a:rPr lang="en-IE" dirty="0" smtClean="0"/>
+              <a:t>Relations - Example</a:t>
             </a:r>
             <a:endParaRPr lang="en-IE" dirty="0"/>
           </a:p>
@@ -3077,9 +3112,9 @@
           <a:p>
             <a:r>
               <a:rPr lang="en-IE" smtClean="0"/>
-              <a:t>2009 Zone B Q6</a:t>
-            </a:r>
-            <a:endParaRPr lang="en-IE"/>
+              <a:t>www.Stats-Lab.com</a:t>
+            </a:r>
+            <a:endParaRPr lang="en-IE" dirty="0"/>
           </a:p>
         </p:txBody>
       </p:sp>
@@ -3123,7 +3158,11 @@
           <a:bodyPr/>
           <a:lstStyle/>
           <a:p>
-            <a:endParaRPr lang="en-IE"/>
+            <a:r>
+              <a:rPr lang="en-IE" dirty="0" smtClean="0"/>
+              <a:t>Relations - Example</a:t>
+            </a:r>
+            <a:endParaRPr lang="en-IE" dirty="0"/>
           </a:p>
         </p:txBody>
       </p:sp>
@@ -3201,7 +3240,98 @@
           <a:bodyPr/>
           <a:lstStyle/>
           <a:p>
-            <a:endParaRPr lang="en-IE"/>
+            <a:r>
+              <a:rPr lang="en-IE" dirty="0" smtClean="0"/>
+              <a:t>Relations - Example</a:t>
+            </a:r>
+            <a:endParaRPr lang="en-IE" dirty="0"/>
+          </a:p>
+        </p:txBody>
+      </p:sp>
+      <p:pic>
+        <p:nvPicPr>
+          <p:cNvPr id="1026" name="Picture 2"/>
+          <p:cNvPicPr>
+            <a:picLocks noGrp="1" noChangeAspect="1" noChangeArrowheads="1"/>
+          </p:cNvPicPr>
+          <p:nvPr>
+            <p:ph idx="1"/>
+          </p:nvPr>
+        </p:nvPicPr>
+        <p:blipFill>
+          <a:blip r:embed="rId2" cstate="print"/>
+          <a:srcRect l="23748" t="41998" r="34868" b="49902"/>
+          <a:stretch>
+            <a:fillRect/>
+          </a:stretch>
+        </p:blipFill>
+        <p:spPr bwMode="auto">
+          <a:xfrm>
+            <a:off x="683568" y="1268760"/>
+            <a:ext cx="7848872" cy="1152128"/>
+          </a:xfrm>
+          <a:prstGeom prst="rect">
+            <a:avLst/>
+          </a:prstGeom>
+          <a:noFill/>
+          <a:ln w="9525">
+            <a:noFill/>
+            <a:miter lim="800000"/>
+            <a:headEnd/>
+            <a:tailEnd/>
+          </a:ln>
+        </p:spPr>
+      </p:pic>
+    </p:spTree>
+  </p:cSld>
+  <p:clrMapOvr>
+    <a:masterClrMapping/>
+  </p:clrMapOvr>
+</p:sld>
+</file>
+
+<file path=ppt/slides/slide4.xml><?xml version="1.0" encoding="utf-8"?>
+<p:sld xmlns:a="http://schemas.openxmlformats.org/drawingml/2006/main" xmlns:r="http://schemas.openxmlformats.org/officeDocument/2006/relationships" xmlns:p="http://schemas.openxmlformats.org/presentationml/2006/main">
+  <p:cSld>
+    <p:spTree>
+      <p:nvGrpSpPr>
+        <p:cNvPr id="1" name=""/>
+        <p:cNvGrpSpPr/>
+        <p:nvPr/>
+      </p:nvGrpSpPr>
+      <p:grpSpPr>
+        <a:xfrm>
+          <a:off x="0" y="0"/>
+          <a:ext cx="0" cy="0"/>
+          <a:chOff x="0" y="0"/>
+          <a:chExt cx="0" cy="0"/>
+        </a:xfrm>
+      </p:grpSpPr>
+      <p:sp>
+        <p:nvSpPr>
+          <p:cNvPr id="2" name="Title 1"/>
+          <p:cNvSpPr>
+            <a:spLocks noGrp="1"/>
+          </p:cNvSpPr>
+          <p:nvPr>
+            <p:ph type="title"/>
+          </p:nvPr>
+        </p:nvSpPr>
+        <p:spPr>
+          <a:xfrm>
+            <a:off x="457200" y="274638"/>
+            <a:ext cx="8229600" cy="994122"/>
+          </a:xfrm>
+        </p:spPr>
+        <p:txBody>
+          <a:bodyPr/>
+          <a:lstStyle/>
+          <a:p>
+            <a:r>
+              <a:rPr lang="en-IE" dirty="0" smtClean="0"/>
+              <a:t>Relations - Example</a:t>
+            </a:r>
+            <a:endParaRPr lang="en-IE" dirty="0"/>
           </a:p>
         </p:txBody>
       </p:sp>
@@ -3215,10 +3345,15 @@
             <p:ph idx="1"/>
           </p:nvPr>
         </p:nvSpPr>
-        <p:spPr/>
+        <p:spPr>
+          <a:xfrm>
+            <a:off x="457200" y="1340768"/>
+            <a:ext cx="8229600" cy="4785395"/>
+          </a:xfrm>
+        </p:spPr>
         <p:txBody>
           <a:bodyPr>
-            <a:normAutofit lnSpcReduction="10000"/>
+            <a:normAutofit/>
           </a:bodyPr>
           <a:lstStyle/>
           <a:p>
@@ -3248,25 +3383,72 @@
             </a:r>
             <a:endParaRPr lang="en-IE" dirty="0" smtClean="0"/>
           </a:p>
+        </p:txBody>
+      </p:sp>
+    </p:spTree>
+  </p:cSld>
+  <p:clrMapOvr>
+    <a:masterClrMapping/>
+  </p:clrMapOvr>
+</p:sld>
+</file>
+
+<file path=ppt/slides/slide5.xml><?xml version="1.0" encoding="utf-8"?>
+<p:sld xmlns:a="http://schemas.openxmlformats.org/drawingml/2006/main" xmlns:r="http://schemas.openxmlformats.org/officeDocument/2006/relationships" xmlns:p="http://schemas.openxmlformats.org/presentationml/2006/main">
+  <p:cSld>
+    <p:spTree>
+      <p:nvGrpSpPr>
+        <p:cNvPr id="1" name=""/>
+        <p:cNvGrpSpPr/>
+        <p:nvPr/>
+      </p:nvGrpSpPr>
+      <p:grpSpPr>
+        <a:xfrm>
+          <a:off x="0" y="0"/>
+          <a:ext cx="0" cy="0"/>
+          <a:chOff x="0" y="0"/>
+          <a:chExt cx="0" cy="0"/>
+        </a:xfrm>
+      </p:grpSpPr>
+      <p:sp>
+        <p:nvSpPr>
+          <p:cNvPr id="2" name="Title 1"/>
+          <p:cNvSpPr>
+            <a:spLocks noGrp="1"/>
+          </p:cNvSpPr>
+          <p:nvPr>
+            <p:ph type="title"/>
+          </p:nvPr>
+        </p:nvSpPr>
+        <p:spPr/>
+        <p:txBody>
+          <a:bodyPr/>
+          <a:lstStyle/>
           <a:p>
             <a:r>
               <a:rPr lang="en-IE" dirty="0" smtClean="0"/>
-              <a:t>Thus </a:t>
-            </a:r>
-            <a:r>
-              <a:rPr lang="en-IE" dirty="0"/>
-              <a:t>there was an </a:t>
-            </a:r>
-            <a:r>
-              <a:rPr lang="en-IE" dirty="0" smtClean="0"/>
-              <a:t>arc from </a:t>
-            </a:r>
-            <a:r>
-              <a:rPr lang="en-IE" dirty="0"/>
-              <a:t>{a} to {a, b} and {a, b, d} but not from {a} to {b}. </a:t>
-            </a:r>
-            <a:endParaRPr lang="en-IE" dirty="0" smtClean="0"/>
-          </a:p>
+              <a:t>Relations - Example</a:t>
+            </a:r>
+            <a:endParaRPr lang="en-IE" dirty="0"/>
+          </a:p>
+        </p:txBody>
+      </p:sp>
+      <p:sp>
+        <p:nvSpPr>
+          <p:cNvPr id="3" name="Content Placeholder 2"/>
+          <p:cNvSpPr>
+            <a:spLocks noGrp="1"/>
+          </p:cNvSpPr>
+          <p:nvPr>
+            <p:ph idx="1"/>
+          </p:nvPr>
+        </p:nvSpPr>
+        <p:spPr/>
+        <p:txBody>
+          <a:bodyPr>
+            <a:normAutofit/>
+          </a:bodyPr>
+          <a:lstStyle/>
           <a:p>
             <a:r>
               <a:rPr lang="en-IE" dirty="0" smtClean="0"/>
@@ -3288,12 +3470,199 @@
           </a:p>
           <a:p>
             <a:r>
+              <a:rPr lang="en-IE" i="1" dirty="0" smtClean="0"/>
+              <a:t>Recall: R</a:t>
+            </a:r>
+            <a:r>
               <a:rPr lang="en-IE" dirty="0" smtClean="0"/>
-              <a:t>As </a:t>
+              <a:t> </a:t>
+            </a:r>
+            <a:r>
+              <a:rPr lang="en-IE" i="1" dirty="0" smtClean="0"/>
+              <a:t>is </a:t>
+            </a:r>
+            <a:r>
+              <a:rPr lang="en-IE" b="1" i="1" dirty="0" smtClean="0"/>
+              <a:t>anti-symmetric</a:t>
+            </a:r>
+            <a:r>
+              <a:rPr lang="en-IE" i="1" dirty="0" smtClean="0"/>
+              <a:t> if and only if the relationship digraph of </a:t>
+            </a:r>
+            <a:r>
+              <a:rPr lang="en-IE" i="1" dirty="0" smtClean="0"/>
+              <a:t>R has </a:t>
+            </a:r>
+            <a:r>
+              <a:rPr lang="en-IE" i="1" dirty="0" smtClean="0"/>
+              <a:t>no directed cycles of length two</a:t>
+            </a:r>
+            <a:r>
+              <a:rPr lang="en-IE" i="1" dirty="0" smtClean="0"/>
+              <a:t>.</a:t>
+            </a:r>
+          </a:p>
+          <a:p>
+            <a:r>
+              <a:rPr lang="en-IE" dirty="0" smtClean="0"/>
+              <a:t>As the relation </a:t>
             </a:r>
             <a:r>
               <a:rPr lang="en-IE" dirty="0"/>
-              <a:t>it is also anti-symmetric it is </a:t>
+              <a:t>is also </a:t>
+            </a:r>
+            <a:r>
+              <a:rPr lang="en-IE" dirty="0" smtClean="0"/>
+              <a:t>anti-symmetric, </a:t>
+            </a:r>
+            <a:r>
+              <a:rPr lang="en-IE" dirty="0"/>
+              <a:t>it is </a:t>
+            </a:r>
+            <a:r>
+              <a:rPr lang="en-IE" dirty="0" smtClean="0"/>
+              <a:t>a partial </a:t>
+            </a:r>
+            <a:r>
+              <a:rPr lang="en-IE" dirty="0"/>
+              <a:t>order.</a:t>
+            </a:r>
+          </a:p>
+        </p:txBody>
+      </p:sp>
+    </p:spTree>
+  </p:cSld>
+  <p:clrMapOvr>
+    <a:masterClrMapping/>
+  </p:clrMapOvr>
+</p:sld>
+</file>
+
+<file path=ppt/slides/slide6.xml><?xml version="1.0" encoding="utf-8"?>
+<p:sld xmlns:a="http://schemas.openxmlformats.org/drawingml/2006/main" xmlns:r="http://schemas.openxmlformats.org/officeDocument/2006/relationships" xmlns:p="http://schemas.openxmlformats.org/presentationml/2006/main">
+  <p:cSld>
+    <p:spTree>
+      <p:nvGrpSpPr>
+        <p:cNvPr id="1" name=""/>
+        <p:cNvGrpSpPr/>
+        <p:nvPr/>
+      </p:nvGrpSpPr>
+      <p:grpSpPr>
+        <a:xfrm>
+          <a:off x="0" y="0"/>
+          <a:ext cx="0" cy="0"/>
+          <a:chOff x="0" y="0"/>
+          <a:chExt cx="0" cy="0"/>
+        </a:xfrm>
+      </p:grpSpPr>
+      <p:sp>
+        <p:nvSpPr>
+          <p:cNvPr id="2" name="Title 1"/>
+          <p:cNvSpPr>
+            <a:spLocks noGrp="1"/>
+          </p:cNvSpPr>
+          <p:nvPr>
+            <p:ph type="title"/>
+          </p:nvPr>
+        </p:nvSpPr>
+        <p:spPr/>
+        <p:txBody>
+          <a:bodyPr/>
+          <a:lstStyle/>
+          <a:p>
+            <a:r>
+              <a:rPr lang="en-IE" dirty="0" smtClean="0"/>
+              <a:t>Relations - Example</a:t>
+            </a:r>
+            <a:endParaRPr lang="en-IE" dirty="0"/>
+          </a:p>
+        </p:txBody>
+      </p:sp>
+      <p:sp>
+        <p:nvSpPr>
+          <p:cNvPr id="3" name="Content Placeholder 2"/>
+          <p:cNvSpPr>
+            <a:spLocks noGrp="1"/>
+          </p:cNvSpPr>
+          <p:nvPr>
+            <p:ph idx="1"/>
+          </p:nvPr>
+        </p:nvSpPr>
+        <p:spPr/>
+        <p:txBody>
+          <a:bodyPr>
+            <a:normAutofit/>
+          </a:bodyPr>
+          <a:lstStyle/>
+          <a:p>
+            <a:r>
+              <a:rPr lang="en-IE" dirty="0" smtClean="0"/>
+              <a:t>This </a:t>
+            </a:r>
+            <a:r>
+              <a:rPr lang="en-IE" dirty="0"/>
+              <a:t>relation </a:t>
+            </a:r>
+            <a:r>
+              <a:rPr lang="en-IE" dirty="0" smtClean="0"/>
+              <a:t>is reflexive</a:t>
+            </a:r>
+            <a:r>
+              <a:rPr lang="en-IE" dirty="0"/>
+              <a:t>, not symmetric and transitive. </a:t>
+            </a:r>
+            <a:endParaRPr lang="en-IE" dirty="0" smtClean="0"/>
+          </a:p>
+          <a:p>
+            <a:r>
+              <a:rPr lang="en-IE" i="1" dirty="0" smtClean="0"/>
+              <a:t>Recall: R</a:t>
+            </a:r>
+            <a:r>
+              <a:rPr lang="en-IE" dirty="0" smtClean="0"/>
+              <a:t> </a:t>
+            </a:r>
+            <a:r>
+              <a:rPr lang="en-IE" i="1" dirty="0" smtClean="0"/>
+              <a:t>is </a:t>
+            </a:r>
+            <a:r>
+              <a:rPr lang="en-IE" b="1" i="1" dirty="0" smtClean="0"/>
+              <a:t>anti-symmetric</a:t>
+            </a:r>
+            <a:r>
+              <a:rPr lang="en-IE" i="1" dirty="0" smtClean="0"/>
+              <a:t> if and only if the relationship digraph of </a:t>
+            </a:r>
+            <a:r>
+              <a:rPr lang="en-IE" i="1" dirty="0" smtClean="0"/>
+              <a:t>R has </a:t>
+            </a:r>
+            <a:r>
+              <a:rPr lang="en-IE" i="1" dirty="0" smtClean="0"/>
+              <a:t>no directed cycles of length two</a:t>
+            </a:r>
+            <a:r>
+              <a:rPr lang="en-IE" i="1" dirty="0" smtClean="0"/>
+              <a:t>.</a:t>
+            </a:r>
+          </a:p>
+          <a:p>
+            <a:r>
+              <a:rPr lang="en-IE" dirty="0" smtClean="0"/>
+              <a:t>As the relation </a:t>
+            </a:r>
+            <a:r>
+              <a:rPr lang="en-IE" dirty="0"/>
+              <a:t>is also </a:t>
+            </a:r>
+            <a:r>
+              <a:rPr lang="en-IE" dirty="0" smtClean="0"/>
+              <a:t>anti-symmetric, </a:t>
+            </a:r>
+            <a:r>
+              <a:rPr lang="en-IE" dirty="0"/>
+              <a:t>it is </a:t>
             </a:r>
             <a:r>
               <a:rPr lang="en-IE" dirty="0" smtClean="0"/>
